--- a/Кейсы кибератак на компании.pptx
+++ b/Кейсы кибератак на компании.pptx
@@ -7437,7 +7437,7 @@
               <a:buNone/>
             </a:pPr>
             <a:r>
-              <a:rPr lang="ru" sz="4400">
+              <a:rPr lang="ru" sz="4400" dirty="0">
                 <a:solidFill>
                   <a:srgbClr val="000000"/>
                 </a:solidFill>
@@ -7448,7 +7448,7 @@
               </a:rPr>
               <a:t>Кейсы кибератак на компании</a:t>
             </a:r>
-            <a:endParaRPr/>
+            <a:endParaRPr dirty="0"/>
           </a:p>
         </p:txBody>
       </p:sp>
@@ -7464,7 +7464,7 @@
         </p:nvSpPr>
         <p:spPr>
           <a:xfrm>
-            <a:off x="311700" y="1878560"/>
+            <a:off x="329400" y="1609675"/>
             <a:ext cx="4242600" cy="738300"/>
           </a:xfrm>
           <a:prstGeom prst="rect">
@@ -7560,6 +7560,180 @@
           </a:p>
         </p:txBody>
       </p:sp>
+      <p:pic>
+        <p:nvPicPr>
+          <p:cNvPr id="31" name="Рисунок 30"/>
+          <p:cNvPicPr>
+            <a:picLocks noChangeAspect="1"/>
+          </p:cNvPicPr>
+          <p:nvPr/>
+        </p:nvPicPr>
+        <p:blipFill>
+          <a:blip r:embed="rId3">
+            <a:extLst>
+              <a:ext uri="{28A0092B-C50C-407E-A947-70E740481C1C}">
+                <a14:useLocalDpi xmlns:a14="http://schemas.microsoft.com/office/drawing/2010/main" val="0"/>
+              </a:ext>
+            </a:extLst>
+          </a:blip>
+          <a:srcRect b="12398"/>
+          <a:stretch>
+            <a:fillRect/>
+          </a:stretch>
+        </p:blipFill>
+        <p:spPr>
+          <a:xfrm>
+            <a:off x="2499360" y="1837026"/>
+            <a:ext cx="6644640" cy="3306473"/>
+          </a:xfrm>
+          <a:custGeom>
+            <a:avLst/>
+            <a:gdLst>
+              <a:gd name="connsiteX0" fmla="*/ 6531403 w 6688652"/>
+              <a:gd name="connsiteY0" fmla="*/ 0 h 3328374"/>
+              <a:gd name="connsiteX1" fmla="*/ 6688652 w 6688652"/>
+              <a:gd name="connsiteY1" fmla="*/ 0 h 3328374"/>
+              <a:gd name="connsiteX2" fmla="*/ 6688652 w 6688652"/>
+              <a:gd name="connsiteY2" fmla="*/ 3320932 h 3328374"/>
+              <a:gd name="connsiteX3" fmla="*/ 0 w 6688652"/>
+              <a:gd name="connsiteY3" fmla="*/ 3328374 h 3328374"/>
+              <a:gd name="connsiteX4" fmla="*/ 0 w 6688652"/>
+              <a:gd name="connsiteY4" fmla="*/ 1867290 h 3328374"/>
+              <a:gd name="connsiteX5" fmla="*/ 4501 w 6688652"/>
+              <a:gd name="connsiteY5" fmla="*/ 1865939 h 3328374"/>
+              <a:gd name="connsiteX6" fmla="*/ 988892 w 6688652"/>
+              <a:gd name="connsiteY6" fmla="*/ 1570872 h 3328374"/>
+            </a:gdLst>
+            <a:ahLst/>
+            <a:cxnLst>
+              <a:cxn ang="0">
+                <a:pos x="connsiteX0" y="connsiteY0"/>
+              </a:cxn>
+              <a:cxn ang="0">
+                <a:pos x="connsiteX1" y="connsiteY1"/>
+              </a:cxn>
+              <a:cxn ang="0">
+                <a:pos x="connsiteX2" y="connsiteY2"/>
+              </a:cxn>
+              <a:cxn ang="0">
+                <a:pos x="connsiteX3" y="connsiteY3"/>
+              </a:cxn>
+              <a:cxn ang="0">
+                <a:pos x="connsiteX4" y="connsiteY4"/>
+              </a:cxn>
+              <a:cxn ang="0">
+                <a:pos x="connsiteX5" y="connsiteY5"/>
+              </a:cxn>
+              <a:cxn ang="0">
+                <a:pos x="connsiteX6" y="connsiteY6"/>
+              </a:cxn>
+            </a:cxnLst>
+            <a:rect l="l" t="t" r="r" b="b"/>
+            <a:pathLst>
+              <a:path w="6688652" h="3328374">
+                <a:moveTo>
+                  <a:pt x="6531403" y="0"/>
+                </a:moveTo>
+                <a:lnTo>
+                  <a:pt x="6688652" y="0"/>
+                </a:lnTo>
+                <a:lnTo>
+                  <a:pt x="6688652" y="3320932"/>
+                </a:lnTo>
+                <a:lnTo>
+                  <a:pt x="0" y="3328374"/>
+                </a:lnTo>
+                <a:lnTo>
+                  <a:pt x="0" y="1867290"/>
+                </a:lnTo>
+                <a:lnTo>
+                  <a:pt x="4501" y="1865939"/>
+                </a:lnTo>
+                <a:cubicBezTo>
+                  <a:pt x="243746" y="1794161"/>
+                  <a:pt x="562966" y="1698454"/>
+                  <a:pt x="988892" y="1570872"/>
+                </a:cubicBezTo>
+                <a:close/>
+              </a:path>
+            </a:pathLst>
+          </a:custGeom>
+        </p:spPr>
+      </p:pic>
+      <p:pic>
+        <p:nvPicPr>
+          <p:cNvPr id="35" name="Рисунок 34"/>
+          <p:cNvPicPr>
+            <a:picLocks noChangeAspect="1"/>
+          </p:cNvPicPr>
+          <p:nvPr/>
+        </p:nvPicPr>
+        <p:blipFill>
+          <a:blip r:embed="rId4">
+            <a:extLst>
+              <a:ext uri="{28A0092B-C50C-407E-A947-70E740481C1C}">
+                <a14:useLocalDpi xmlns:a14="http://schemas.microsoft.com/office/drawing/2010/main" val="0"/>
+              </a:ext>
+            </a:extLst>
+          </a:blip>
+          <a:srcRect b="994"/>
+          <a:stretch>
+            <a:fillRect/>
+          </a:stretch>
+        </p:blipFill>
+        <p:spPr>
+          <a:xfrm>
+            <a:off x="0" y="3684271"/>
+            <a:ext cx="2499360" cy="1459229"/>
+          </a:xfrm>
+          <a:custGeom>
+            <a:avLst/>
+            <a:gdLst>
+              <a:gd name="connsiteX0" fmla="*/ 2499360 w 2499360"/>
+              <a:gd name="connsiteY0" fmla="*/ 0 h 1459229"/>
+              <a:gd name="connsiteX1" fmla="*/ 2499360 w 2499360"/>
+              <a:gd name="connsiteY1" fmla="*/ 1459229 h 1459229"/>
+              <a:gd name="connsiteX2" fmla="*/ 0 w 2499360"/>
+              <a:gd name="connsiteY2" fmla="*/ 1459229 h 1459229"/>
+              <a:gd name="connsiteX3" fmla="*/ 0 w 2499360"/>
+              <a:gd name="connsiteY3" fmla="*/ 708660 h 1459229"/>
+            </a:gdLst>
+            <a:ahLst/>
+            <a:cxnLst>
+              <a:cxn ang="0">
+                <a:pos x="connsiteX0" y="connsiteY0"/>
+              </a:cxn>
+              <a:cxn ang="0">
+                <a:pos x="connsiteX1" y="connsiteY1"/>
+              </a:cxn>
+              <a:cxn ang="0">
+                <a:pos x="connsiteX2" y="connsiteY2"/>
+              </a:cxn>
+              <a:cxn ang="0">
+                <a:pos x="connsiteX3" y="connsiteY3"/>
+              </a:cxn>
+            </a:cxnLst>
+            <a:rect l="l" t="t" r="r" b="b"/>
+            <a:pathLst>
+              <a:path w="2499360" h="1459229">
+                <a:moveTo>
+                  <a:pt x="2499360" y="0"/>
+                </a:moveTo>
+                <a:lnTo>
+                  <a:pt x="2499360" y="1459229"/>
+                </a:lnTo>
+                <a:lnTo>
+                  <a:pt x="0" y="1459229"/>
+                </a:lnTo>
+                <a:lnTo>
+                  <a:pt x="0" y="708660"/>
+                </a:lnTo>
+                <a:close/>
+              </a:path>
+            </a:pathLst>
+          </a:custGeom>
+        </p:spPr>
+      </p:pic>
     </p:spTree>
   </p:cSld>
   <p:clrMapOvr>
@@ -7597,7 +7771,7 @@
         </p:nvSpPr>
         <p:spPr>
           <a:xfrm>
-            <a:off x="311725" y="500925"/>
+            <a:off x="222094" y="246925"/>
             <a:ext cx="8520600" cy="623700"/>
           </a:xfrm>
           <a:prstGeom prst="rect">
@@ -7620,7 +7794,7 @@
               <a:buNone/>
             </a:pPr>
             <a:r>
-              <a:rPr lang="ru" sz="4200">
+              <a:rPr lang="ru" sz="4200" dirty="0">
                 <a:solidFill>
                   <a:srgbClr val="000000"/>
                 </a:solidFill>
@@ -7631,7 +7805,7 @@
               </a:rPr>
               <a:t>Facebook (Meta) — 2021</a:t>
             </a:r>
-            <a:endParaRPr sz="2600"/>
+            <a:endParaRPr sz="2600" dirty="0"/>
           </a:p>
         </p:txBody>
       </p:sp>
@@ -7647,8 +7821,8 @@
         </p:nvSpPr>
         <p:spPr>
           <a:xfrm>
-            <a:off x="4472235" y="1274400"/>
-            <a:ext cx="4166400" cy="3869100"/>
+            <a:off x="4482394" y="1274500"/>
+            <a:ext cx="4661605" cy="3869000"/>
           </a:xfrm>
           <a:prstGeom prst="rect">
             <a:avLst/>
@@ -7656,12 +7830,12 @@
         </p:spPr>
         <p:txBody>
           <a:bodyPr spcFirstLastPara="1" wrap="square" lIns="91425" tIns="91425" rIns="91425" bIns="91425" anchor="t" anchorCtr="0">
-            <a:normAutofit fontScale="32500" lnSpcReduction="20000"/>
+            <a:noAutofit/>
           </a:bodyPr>
           <a:lstStyle/>
           <a:p>
             <a:r>
-              <a:rPr lang="ru-RU" sz="3200" b="1" dirty="0">
+              <a:rPr lang="ru-RU" sz="1100" b="1" dirty="0">
                 <a:solidFill>
                   <a:schemeClr val="tx1">
                     <a:lumMod val="50000"/>
@@ -7671,7 +7845,7 @@
               <a:t>Что произошло:</a:t>
             </a:r>
             <a:r>
-              <a:rPr lang="ru-RU" sz="3200" dirty="0">
+              <a:rPr lang="ru-RU" sz="1100" dirty="0">
                 <a:solidFill>
                   <a:schemeClr val="tx1">
                     <a:lumMod val="50000"/>
@@ -7681,7 +7855,7 @@
               <a:t/>
             </a:r>
             <a:br>
-              <a:rPr lang="ru-RU" sz="3200" dirty="0">
+              <a:rPr lang="ru-RU" sz="1100" dirty="0">
                 <a:solidFill>
                   <a:schemeClr val="tx1">
                     <a:lumMod val="50000"/>
@@ -7690,7 +7864,7 @@
               </a:rPr>
             </a:br>
             <a:r>
-              <a:rPr lang="ru-RU" sz="3200" dirty="0">
+              <a:rPr lang="ru-RU" sz="1100" dirty="0">
                 <a:solidFill>
                   <a:schemeClr val="tx1">
                     <a:lumMod val="50000"/>
@@ -7700,7 +7874,7 @@
               <a:t>В 2021 году у компании </a:t>
             </a:r>
             <a:r>
-              <a:rPr lang="ru-RU" sz="3200" dirty="0" err="1">
+              <a:rPr lang="ru-RU" sz="1100" dirty="0" err="1">
                 <a:solidFill>
                   <a:schemeClr val="tx1">
                     <a:lumMod val="50000"/>
@@ -7710,7 +7884,7 @@
               <a:t>Facebook</a:t>
             </a:r>
             <a:r>
-              <a:rPr lang="ru-RU" sz="3200" dirty="0">
+              <a:rPr lang="ru-RU" sz="1100" dirty="0">
                 <a:solidFill>
                   <a:schemeClr val="tx1">
                     <a:lumMod val="50000"/>
@@ -7720,7 +7894,7 @@
               <a:t> (сейчас </a:t>
             </a:r>
             <a:r>
-              <a:rPr lang="ru-RU" sz="3200" dirty="0" err="1">
+              <a:rPr lang="ru-RU" sz="1100" dirty="0" err="1">
                 <a:solidFill>
                   <a:schemeClr val="tx1">
                     <a:lumMod val="50000"/>
@@ -7730,7 +7904,7 @@
               <a:t>Meta</a:t>
             </a:r>
             <a:r>
-              <a:rPr lang="ru-RU" sz="3200" dirty="0">
+              <a:rPr lang="ru-RU" sz="1100" dirty="0">
                 <a:solidFill>
                   <a:schemeClr val="tx1">
                     <a:lumMod val="50000"/>
@@ -7740,7 +7914,7 @@
               <a:t>) произошла крупная утечка данных.</a:t>
             </a:r>
             <a:br>
-              <a:rPr lang="ru-RU" sz="3200" dirty="0">
+              <a:rPr lang="ru-RU" sz="1100" dirty="0">
                 <a:solidFill>
                   <a:schemeClr val="tx1">
                     <a:lumMod val="50000"/>
@@ -7749,7 +7923,7 @@
               </a:rPr>
             </a:br>
             <a:r>
-              <a:rPr lang="ru-RU" sz="3200" dirty="0">
+              <a:rPr lang="ru-RU" sz="1100" dirty="0">
                 <a:solidFill>
                   <a:schemeClr val="tx1">
                     <a:lumMod val="50000"/>
@@ -7759,7 +7933,7 @@
               <a:t>Из-за уязвимости в системе поиска злоумышленники получили доступ к данным </a:t>
             </a:r>
             <a:r>
-              <a:rPr lang="ru-RU" sz="3200" b="1" dirty="0">
+              <a:rPr lang="ru-RU" sz="1100" b="1" dirty="0">
                 <a:solidFill>
                   <a:schemeClr val="tx1">
                     <a:lumMod val="50000"/>
@@ -7769,7 +7943,7 @@
               <a:t>533 миллионов пользователей</a:t>
             </a:r>
             <a:r>
-              <a:rPr lang="ru-RU" sz="3200" dirty="0">
+              <a:rPr lang="ru-RU" sz="1100" dirty="0">
                 <a:solidFill>
                   <a:schemeClr val="tx1">
                     <a:lumMod val="50000"/>
@@ -7781,7 +7955,7 @@
           </a:p>
           <a:p>
             <a:r>
-              <a:rPr lang="ru-RU" sz="3200" b="1" dirty="0">
+              <a:rPr lang="ru-RU" sz="1100" b="1" dirty="0">
                 <a:solidFill>
                   <a:schemeClr val="tx1">
                     <a:lumMod val="50000"/>
@@ -7791,7 +7965,7 @@
               <a:t>Какие данные украли:</a:t>
             </a:r>
             <a:r>
-              <a:rPr lang="ru-RU" sz="3200" dirty="0">
+              <a:rPr lang="ru-RU" sz="1100" dirty="0">
                 <a:solidFill>
                   <a:schemeClr val="tx1">
                     <a:lumMod val="50000"/>
@@ -7801,7 +7975,7 @@
               <a:t/>
             </a:r>
             <a:br>
-              <a:rPr lang="ru-RU" sz="3200" dirty="0">
+              <a:rPr lang="ru-RU" sz="1100" dirty="0">
                 <a:solidFill>
                   <a:schemeClr val="tx1">
                     <a:lumMod val="50000"/>
@@ -7810,7 +7984,7 @@
               </a:rPr>
             </a:br>
             <a:r>
-              <a:rPr lang="ru-RU" sz="3200" dirty="0">
+              <a:rPr lang="ru-RU" sz="1100" dirty="0">
                 <a:solidFill>
                   <a:schemeClr val="tx1">
                     <a:lumMod val="50000"/>
@@ -7820,7 +7994,7 @@
               <a:t>– номера телефонов</a:t>
             </a:r>
             <a:br>
-              <a:rPr lang="ru-RU" sz="3200" dirty="0">
+              <a:rPr lang="ru-RU" sz="1100" dirty="0">
                 <a:solidFill>
                   <a:schemeClr val="tx1">
                     <a:lumMod val="50000"/>
@@ -7829,7 +8003,7 @@
               </a:rPr>
             </a:br>
             <a:r>
-              <a:rPr lang="ru-RU" sz="3200" dirty="0">
+              <a:rPr lang="ru-RU" sz="1100" dirty="0">
                 <a:solidFill>
                   <a:schemeClr val="tx1">
                     <a:lumMod val="50000"/>
@@ -7839,7 +8013,7 @@
               <a:t>– </a:t>
             </a:r>
             <a:r>
-              <a:rPr lang="ru-RU" sz="3200" dirty="0" err="1">
+              <a:rPr lang="ru-RU" sz="1100" dirty="0" err="1">
                 <a:solidFill>
                   <a:schemeClr val="tx1">
                     <a:lumMod val="50000"/>
@@ -7849,7 +8023,7 @@
               <a:t>email</a:t>
             </a:r>
             <a:r>
-              <a:rPr lang="ru-RU" sz="3200" dirty="0">
+              <a:rPr lang="ru-RU" sz="1100" dirty="0">
                 <a:solidFill>
                   <a:schemeClr val="tx1">
                     <a:lumMod val="50000"/>
@@ -7859,7 +8033,7 @@
               <a:t>-адреса</a:t>
             </a:r>
             <a:br>
-              <a:rPr lang="ru-RU" sz="3200" dirty="0">
+              <a:rPr lang="ru-RU" sz="1100" dirty="0">
                 <a:solidFill>
                   <a:schemeClr val="tx1">
                     <a:lumMod val="50000"/>
@@ -7868,7 +8042,7 @@
               </a:rPr>
             </a:br>
             <a:r>
-              <a:rPr lang="ru-RU" sz="3200" dirty="0">
+              <a:rPr lang="ru-RU" sz="1100" dirty="0">
                 <a:solidFill>
                   <a:schemeClr val="tx1">
                     <a:lumMod val="50000"/>
@@ -7878,7 +8052,7 @@
               <a:t>– имена и фамилии</a:t>
             </a:r>
             <a:br>
-              <a:rPr lang="ru-RU" sz="3200" dirty="0">
+              <a:rPr lang="ru-RU" sz="1100" dirty="0">
                 <a:solidFill>
                   <a:schemeClr val="tx1">
                     <a:lumMod val="50000"/>
@@ -7887,7 +8061,7 @@
               </a:rPr>
             </a:br>
             <a:r>
-              <a:rPr lang="ru-RU" sz="3200" dirty="0">
+              <a:rPr lang="ru-RU" sz="1100" dirty="0">
                 <a:solidFill>
                   <a:schemeClr val="tx1">
                     <a:lumMod val="50000"/>
@@ -7899,7 +8073,7 @@
           </a:p>
           <a:p>
             <a:r>
-              <a:rPr lang="ru-RU" sz="3200" b="1" dirty="0">
+              <a:rPr lang="ru-RU" sz="1100" b="1" dirty="0">
                 <a:solidFill>
                   <a:schemeClr val="tx1">
                     <a:lumMod val="50000"/>
@@ -7909,7 +8083,7 @@
               <a:t>Кто пострадал:</a:t>
             </a:r>
             <a:r>
-              <a:rPr lang="ru-RU" sz="3200" dirty="0">
+              <a:rPr lang="ru-RU" sz="1100" dirty="0">
                 <a:solidFill>
                   <a:schemeClr val="tx1">
                     <a:lumMod val="50000"/>
@@ -7919,7 +8093,7 @@
               <a:t/>
             </a:r>
             <a:br>
-              <a:rPr lang="ru-RU" sz="3200" dirty="0">
+              <a:rPr lang="ru-RU" sz="1100" dirty="0">
                 <a:solidFill>
                   <a:schemeClr val="tx1">
                     <a:lumMod val="50000"/>
@@ -7928,7 +8102,7 @@
               </a:rPr>
             </a:br>
             <a:r>
-              <a:rPr lang="ru-RU" sz="3200" dirty="0">
+              <a:rPr lang="ru-RU" sz="1100" dirty="0">
                 <a:solidFill>
                   <a:schemeClr val="tx1">
                     <a:lumMod val="50000"/>
@@ -7938,7 +8112,7 @@
               <a:t>Пострадали </a:t>
             </a:r>
             <a:r>
-              <a:rPr lang="ru-RU" sz="3200" b="1" dirty="0">
+              <a:rPr lang="ru-RU" sz="1100" b="1" dirty="0">
                 <a:solidFill>
                   <a:schemeClr val="tx1">
                     <a:lumMod val="50000"/>
@@ -7948,7 +8122,7 @@
               <a:t>обычные пользователи </a:t>
             </a:r>
             <a:r>
-              <a:rPr lang="ru-RU" sz="3200" b="1" dirty="0" err="1">
+              <a:rPr lang="ru-RU" sz="1100" b="1" dirty="0" err="1">
                 <a:solidFill>
                   <a:schemeClr val="tx1">
                     <a:lumMod val="50000"/>
@@ -7958,7 +8132,7 @@
               <a:t>Facebook</a:t>
             </a:r>
             <a:r>
-              <a:rPr lang="ru-RU" sz="3200" dirty="0">
+              <a:rPr lang="ru-RU" sz="1100" dirty="0">
                 <a:solidFill>
                   <a:schemeClr val="tx1">
                     <a:lumMod val="50000"/>
@@ -7968,7 +8142,7 @@
               <a:t> по всему миру.</a:t>
             </a:r>
             <a:br>
-              <a:rPr lang="ru-RU" sz="3200" dirty="0">
+              <a:rPr lang="ru-RU" sz="1100" dirty="0">
                 <a:solidFill>
                   <a:schemeClr val="tx1">
                     <a:lumMod val="50000"/>
@@ -7977,7 +8151,7 @@
               </a:rPr>
             </a:br>
             <a:r>
-              <a:rPr lang="ru-RU" sz="3200" dirty="0">
+              <a:rPr lang="ru-RU" sz="1100" dirty="0">
                 <a:solidFill>
                   <a:schemeClr val="tx1">
                     <a:lumMod val="50000"/>
@@ -7987,7 +8161,7 @@
               <a:t>Многие начали получать мошеннические звонки, SMS и </a:t>
             </a:r>
             <a:r>
-              <a:rPr lang="ru-RU" sz="3200" dirty="0" err="1">
+              <a:rPr lang="ru-RU" sz="1100" dirty="0" err="1">
                 <a:solidFill>
                   <a:schemeClr val="tx1">
                     <a:lumMod val="50000"/>
@@ -7997,7 +8171,7 @@
               <a:t>фишинговые</a:t>
             </a:r>
             <a:r>
-              <a:rPr lang="ru-RU" sz="3200" dirty="0">
+              <a:rPr lang="ru-RU" sz="1100" dirty="0">
                 <a:solidFill>
                   <a:schemeClr val="tx1">
                     <a:lumMod val="50000"/>
@@ -8009,7 +8183,7 @@
           </a:p>
           <a:p>
             <a:r>
-              <a:rPr lang="ru-RU" sz="3200" b="1" dirty="0">
+              <a:rPr lang="ru-RU" sz="1100" b="1" dirty="0">
                 <a:solidFill>
                   <a:schemeClr val="tx1">
                     <a:lumMod val="50000"/>
@@ -8019,7 +8193,7 @@
               <a:t>Последствия:</a:t>
             </a:r>
             <a:r>
-              <a:rPr lang="ru-RU" sz="3200" dirty="0">
+              <a:rPr lang="ru-RU" sz="1100" dirty="0">
                 <a:solidFill>
                   <a:schemeClr val="tx1">
                     <a:lumMod val="50000"/>
@@ -8029,7 +8203,7 @@
               <a:t/>
             </a:r>
             <a:br>
-              <a:rPr lang="ru-RU" sz="3200" dirty="0">
+              <a:rPr lang="ru-RU" sz="1100" dirty="0">
                 <a:solidFill>
                   <a:schemeClr val="tx1">
                     <a:lumMod val="50000"/>
@@ -8038,7 +8212,7 @@
               </a:rPr>
             </a:br>
             <a:r>
-              <a:rPr lang="ru-RU" sz="3200" dirty="0">
+              <a:rPr lang="ru-RU" sz="1100" dirty="0">
                 <a:solidFill>
                   <a:schemeClr val="tx1">
                     <a:lumMod val="50000"/>
@@ -8048,7 +8222,7 @@
               <a:t>– рост мошенничества</a:t>
             </a:r>
             <a:br>
-              <a:rPr lang="ru-RU" sz="3200" dirty="0">
+              <a:rPr lang="ru-RU" sz="1100" dirty="0">
                 <a:solidFill>
                   <a:schemeClr val="tx1">
                     <a:lumMod val="50000"/>
@@ -8057,7 +8231,7 @@
               </a:rPr>
             </a:br>
             <a:r>
-              <a:rPr lang="ru-RU" sz="3200" dirty="0">
+              <a:rPr lang="ru-RU" sz="1100" dirty="0">
                 <a:solidFill>
                   <a:schemeClr val="tx1">
                     <a:lumMod val="50000"/>
@@ -8067,7 +8241,7 @@
               <a:t>– потеря доверия к компании</a:t>
             </a:r>
             <a:br>
-              <a:rPr lang="ru-RU" sz="3200" dirty="0">
+              <a:rPr lang="ru-RU" sz="1100" dirty="0">
                 <a:solidFill>
                   <a:schemeClr val="tx1">
                     <a:lumMod val="50000"/>
@@ -8076,7 +8250,7 @@
               </a:rPr>
             </a:br>
             <a:r>
-              <a:rPr lang="ru-RU" sz="3200" dirty="0">
+              <a:rPr lang="ru-RU" sz="1100" dirty="0">
                 <a:solidFill>
                   <a:schemeClr val="tx1">
                     <a:lumMod val="50000"/>
@@ -8096,7 +8270,7 @@
               </a:spcAft>
               <a:buNone/>
             </a:pPr>
-            <a:endParaRPr dirty="0"/>
+            <a:endParaRPr sz="1100" dirty="0"/>
           </a:p>
         </p:txBody>
       </p:sp>
@@ -8116,7 +8290,7 @@
         </p:blipFill>
         <p:spPr>
           <a:xfrm>
-            <a:off x="10" y="1274500"/>
+            <a:off x="0" y="1274500"/>
             <a:ext cx="4339901" cy="2169950"/>
           </a:xfrm>
           <a:prstGeom prst="rect">
@@ -8735,13 +8909,19 @@
       </p:sp>
       <p:pic>
         <p:nvPicPr>
-          <p:cNvPr id="85" name="Google Shape;85;p16" title="yahoo-446971_1280.jpg"/>
-          <p:cNvPicPr preferRelativeResize="0"/>
+          <p:cNvPr id="3" name="Рисунок 2"/>
+          <p:cNvPicPr>
+            <a:picLocks noChangeAspect="1"/>
+          </p:cNvPicPr>
           <p:nvPr/>
         </p:nvPicPr>
         <p:blipFill>
           <a:blip r:embed="rId3">
-            <a:alphaModFix/>
+            <a:extLst>
+              <a:ext uri="{28A0092B-C50C-407E-A947-70E740481C1C}">
+                <a14:useLocalDpi xmlns:a14="http://schemas.microsoft.com/office/drawing/2010/main" val="0"/>
+              </a:ext>
+            </a:extLst>
           </a:blip>
           <a:stretch>
             <a:fillRect/>
@@ -8749,16 +8929,12 @@
         </p:blipFill>
         <p:spPr>
           <a:xfrm>
-            <a:off x="4850300" y="1511825"/>
-            <a:ext cx="4293699" cy="2220644"/>
+            <a:off x="6096000" y="878009"/>
+            <a:ext cx="2225176" cy="4265491"/>
           </a:xfrm>
           <a:prstGeom prst="rect">
             <a:avLst/>
           </a:prstGeom>
-          <a:noFill/>
-          <a:ln>
-            <a:noFill/>
-          </a:ln>
         </p:spPr>
       </p:pic>
     </p:spTree>
@@ -9711,6 +9887,36 @@
           </a:p>
         </p:txBody>
       </p:sp>
+      <p:pic>
+        <p:nvPicPr>
+          <p:cNvPr id="3" name="Рисунок 2"/>
+          <p:cNvPicPr>
+            <a:picLocks noChangeAspect="1"/>
+          </p:cNvPicPr>
+          <p:nvPr/>
+        </p:nvPicPr>
+        <p:blipFill>
+          <a:blip r:embed="rId3">
+            <a:extLst>
+              <a:ext uri="{28A0092B-C50C-407E-A947-70E740481C1C}">
+                <a14:useLocalDpi xmlns:a14="http://schemas.microsoft.com/office/drawing/2010/main" val="0"/>
+              </a:ext>
+            </a:extLst>
+          </a:blip>
+          <a:stretch>
+            <a:fillRect/>
+          </a:stretch>
+        </p:blipFill>
+        <p:spPr>
+          <a:xfrm>
+            <a:off x="0" y="1465439"/>
+            <a:ext cx="4318000" cy="3678061"/>
+          </a:xfrm>
+          <a:prstGeom prst="rect">
+            <a:avLst/>
+          </a:prstGeom>
+        </p:spPr>
+      </p:pic>
     </p:spTree>
   </p:cSld>
   <p:clrMapOvr>
